--- a/TEMPDB CONTENTION.pptx
+++ b/TEMPDB CONTENTION.pptx
@@ -40,8 +40,8 @@
     <p:sldId id="362" r:id="rId28"/>
     <p:sldId id="363" r:id="rId29"/>
     <p:sldId id="360" r:id="rId30"/>
-    <p:sldId id="290" r:id="rId31"/>
-    <p:sldId id="350" r:id="rId32"/>
+    <p:sldId id="350" r:id="rId31"/>
+    <p:sldId id="290" r:id="rId32"/>
     <p:sldId id="351" r:id="rId33"/>
     <p:sldId id="366" r:id="rId34"/>
   </p:sldIdLst>
@@ -14675,7 +14675,7 @@
           <a:p>
             <a:fld id="{9C0736DF-E9CE-4306-BEBE-4C4C8930CDB9}" type="datetimeFigureOut">
               <a:rPr lang="en-US" smtClean="0"/>
-              <a:t>4/1/2024</a:t>
+              <a:t>4/2/2024</a:t>
             </a:fld>
             <a:endParaRPr lang="en-US"/>
           </a:p>
@@ -14811,7 +14811,7 @@
           <a:p>
             <a:fld id="{FF76587C-A4AF-411F-89CC-D28715285D8A}" type="datetimeFigureOut">
               <a:rPr lang="en-US" smtClean="0"/>
-              <a:t>4/1/2024</a:t>
+              <a:t>4/2/2024</a:t>
             </a:fld>
             <a:endParaRPr lang="en-US"/>
           </a:p>
@@ -19173,12 +19173,6 @@
           <a:p>
             <a:r>
               <a:rPr lang="en-US" sz="3200" dirty="0"/>
-              <a:t>In any database, when there are insert, update, delete operations on user objects, they need a latch (lightweight lock) on PFS, GAM, SGAM pages on a datafile.</a:t>
-            </a:r>
-          </a:p>
-          <a:p>
-            <a:r>
-              <a:rPr lang="en-US" sz="3200" dirty="0"/>
               <a:t>In tempdb, there are numerous insert, update, delete operations running concurrently on temporary objects, waiting for a latch on PFS, GAM, SGAM pages on a datafile, causing contention</a:t>
             </a:r>
           </a:p>
@@ -19234,55 +19228,6 @@
                                           <p:spTgt spid="4">
                                             <p:txEl>
                                               <p:pRg st="0" end="0"/>
-                                            </p:txEl>
-                                          </p:spTgt>
-                                        </p:tgtEl>
-                                        <p:attrNameLst>
-                                          <p:attrName>style.visibility</p:attrName>
-                                        </p:attrNameLst>
-                                      </p:cBhvr>
-                                      <p:to>
-                                        <p:strVal val="visible"/>
-                                      </p:to>
-                                    </p:set>
-                                  </p:childTnLst>
-                                </p:cTn>
-                              </p:par>
-                            </p:childTnLst>
-                          </p:cTn>
-                        </p:par>
-                      </p:childTnLst>
-                    </p:cTn>
-                  </p:par>
-                  <p:par>
-                    <p:cTn id="7" fill="hold">
-                      <p:stCondLst>
-                        <p:cond delay="indefinite"/>
-                      </p:stCondLst>
-                      <p:childTnLst>
-                        <p:par>
-                          <p:cTn id="8" fill="hold">
-                            <p:stCondLst>
-                              <p:cond delay="0"/>
-                            </p:stCondLst>
-                            <p:childTnLst>
-                              <p:par>
-                                <p:cTn id="9" presetID="1" presetClass="entr" presetSubtype="0" fill="hold" grpId="0" nodeType="clickEffect">
-                                  <p:stCondLst>
-                                    <p:cond delay="0"/>
-                                  </p:stCondLst>
-                                  <p:childTnLst>
-                                    <p:set>
-                                      <p:cBhvr>
-                                        <p:cTn id="10" dur="1" fill="hold">
-                                          <p:stCondLst>
-                                            <p:cond delay="0"/>
-                                          </p:stCondLst>
-                                        </p:cTn>
-                                        <p:tgtEl>
-                                          <p:spTgt spid="4">
-                                            <p:txEl>
-                                              <p:pRg st="1" end="1"/>
                                             </p:txEl>
                                           </p:spTgt>
                                         </p:tgtEl>
@@ -26436,7 +26381,7 @@
           <a:p>
             <a:r>
               <a:rPr lang="en-US" sz="3200" dirty="0"/>
-              <a:t>PAGELATCH_UP, PAGELATCH_EX waits on PFS and (S)GAM pages </a:t>
+              <a:t>PAGELATCH_UP, PAGELATCH_SH waits on PFS and (S)GAM pages </a:t>
             </a:r>
           </a:p>
           <a:p>
@@ -36679,7 +36624,7 @@
           <a:p>
             <a:r>
               <a:rPr lang="en-US" sz="3200" dirty="0"/>
-              <a:t>Additional files in numbers of 4</a:t>
+              <a:t>Increase additional files in numbers of 4 as needed</a:t>
             </a:r>
           </a:p>
           <a:p>
@@ -38148,10 +38093,10 @@
       </p:sp>
       <p:pic>
         <p:nvPicPr>
-          <p:cNvPr id="5" name="Picture 4">
+          <p:cNvPr id="14" name="Picture 13">
             <a:extLst>
               <a:ext uri="{FF2B5EF4-FFF2-40B4-BE49-F238E27FC236}">
-                <a16:creationId xmlns:a16="http://schemas.microsoft.com/office/drawing/2014/main" id="{FCABC4BD-6664-CF44-8CCA-2B9BE70BA360}"/>
+                <a16:creationId xmlns:a16="http://schemas.microsoft.com/office/drawing/2014/main" id="{F47D5873-F653-E3EF-E755-A045EE85884C}"/>
               </a:ext>
             </a:extLst>
           </p:cNvPr>
@@ -38160,15 +38105,16 @@
           </p:cNvPicPr>
           <p:nvPr/>
         </p:nvPicPr>
-        <p:blipFill rotWithShape="1">
+        <p:blipFill>
           <a:blip r:embed="rId2"/>
-          <a:srcRect l="6404" r="7789"/>
-          <a:stretch/>
+          <a:stretch>
+            <a:fillRect/>
+          </a:stretch>
         </p:blipFill>
         <p:spPr>
           <a:xfrm>
-            <a:off x="7906649" y="502879"/>
-            <a:ext cx="3163687" cy="3317001"/>
+            <a:off x="7949357" y="517364"/>
+            <a:ext cx="2952381" cy="3457143"/>
           </a:xfrm>
           <a:prstGeom prst="rect">
             <a:avLst/>
@@ -38521,16 +38467,6 @@
             </a:pPr>
             <a:r>
               <a:rPr lang="en-US" sz="3200" dirty="0"/>
-              <a:t>In any database, when there are create, alter, drop operations on user objects, they need a latch on system object pages on a datafile.</a:t>
-            </a:r>
-          </a:p>
-          <a:p>
-            <a:pPr marL="457200" indent="-457200">
-              <a:buFont typeface="Arial" panose="020B0604020202020204" pitchFamily="34" charset="0"/>
-              <a:buChar char="•"/>
-            </a:pPr>
-            <a:r>
-              <a:rPr lang="en-US" sz="3200" dirty="0"/>
               <a:t>In tempdb, there are numerous create, alter, drop sessions running concurrently on temporary objects, waiting for a latch on system object pages, causing contention</a:t>
             </a:r>
           </a:p>
@@ -38576,8 +38512,8 @@
         </p:blipFill>
         <p:spPr>
           <a:xfrm>
-            <a:off x="3428906" y="4572560"/>
-            <a:ext cx="5375459" cy="2103026"/>
+            <a:off x="1728652" y="3037961"/>
+            <a:ext cx="8734696" cy="3560020"/>
           </a:xfrm>
           <a:prstGeom prst="rect">
             <a:avLst/>
@@ -38598,8 +38534,8 @@
         </p:nvSpPr>
         <p:spPr>
           <a:xfrm>
-            <a:off x="1055002" y="6537344"/>
-            <a:ext cx="10228694" cy="327782"/>
+            <a:off x="740633" y="6597981"/>
+            <a:ext cx="10893158" cy="276999"/>
           </a:xfrm>
           <a:prstGeom prst="rect">
             <a:avLst/>
@@ -38612,23 +38548,20 @@
           </a:bodyPr>
           <a:lstStyle/>
           <a:p>
-            <a:pPr defTabSz="777240">
+            <a:pPr algn="ctr" defTabSz="777240">
               <a:spcAft>
                 <a:spcPts val="600"/>
               </a:spcAft>
             </a:pPr>
             <a:r>
-              <a:rPr lang="en-US" sz="1530" kern="1200" dirty="0">
+              <a:rPr lang="en-US" sz="1200" kern="1200" dirty="0">
                 <a:solidFill>
                   <a:schemeClr val="tx1"/>
                 </a:solidFill>
-                <a:latin typeface="+mn-lt"/>
-                <a:ea typeface="+mn-ea"/>
-                <a:cs typeface="+mn-cs"/>
               </a:rPr>
               <a:t>https://learn.microsoft.com/en-us/archive/blogs/sql_server_team/tempdb-files-and-trace-flags-and-updates-oh-my</a:t>
             </a:r>
-            <a:endParaRPr lang="en-US" sz="1800" dirty="0"/>
+            <a:endParaRPr lang="en-US" sz="1200" dirty="0"/>
           </a:p>
         </p:txBody>
       </p:sp>
@@ -38676,6 +38609,55 @@
                                           </p:stCondLst>
                                         </p:cTn>
                                         <p:tgtEl>
+                                          <p:spTgt spid="3">
+                                            <p:txEl>
+                                              <p:pRg st="0" end="0"/>
+                                            </p:txEl>
+                                          </p:spTgt>
+                                        </p:tgtEl>
+                                        <p:attrNameLst>
+                                          <p:attrName>style.visibility</p:attrName>
+                                        </p:attrNameLst>
+                                      </p:cBhvr>
+                                      <p:to>
+                                        <p:strVal val="visible"/>
+                                      </p:to>
+                                    </p:set>
+                                  </p:childTnLst>
+                                </p:cTn>
+                              </p:par>
+                            </p:childTnLst>
+                          </p:cTn>
+                        </p:par>
+                      </p:childTnLst>
+                    </p:cTn>
+                  </p:par>
+                  <p:par>
+                    <p:cTn id="7" fill="hold">
+                      <p:stCondLst>
+                        <p:cond delay="indefinite"/>
+                      </p:stCondLst>
+                      <p:childTnLst>
+                        <p:par>
+                          <p:cTn id="8" fill="hold">
+                            <p:stCondLst>
+                              <p:cond delay="0"/>
+                            </p:stCondLst>
+                            <p:childTnLst>
+                              <p:par>
+                                <p:cTn id="9" presetID="1" presetClass="entr" presetSubtype="0" fill="hold" nodeType="clickEffect">
+                                  <p:stCondLst>
+                                    <p:cond delay="0"/>
+                                  </p:stCondLst>
+                                  <p:childTnLst>
+                                    <p:set>
+                                      <p:cBhvr>
+                                        <p:cTn id="10" dur="1" fill="hold">
+                                          <p:stCondLst>
+                                            <p:cond delay="0"/>
+                                          </p:stCondLst>
+                                        </p:cTn>
+                                        <p:tgtEl>
                                           <p:spTgt spid="5"/>
                                         </p:tgtEl>
                                         <p:attrNameLst>
@@ -38690,14 +38672,14 @@
                                 </p:cTn>
                               </p:par>
                               <p:par>
-                                <p:cTn id="7" presetID="1" presetClass="entr" presetSubtype="0" fill="hold" grpId="0" nodeType="withEffect">
+                                <p:cTn id="11" presetID="1" presetClass="entr" presetSubtype="0" fill="hold" grpId="0" nodeType="withEffect">
                                   <p:stCondLst>
                                     <p:cond delay="0"/>
                                   </p:stCondLst>
                                   <p:childTnLst>
                                     <p:set>
                                       <p:cBhvr>
-                                        <p:cTn id="8" dur="1" fill="hold">
+                                        <p:cTn id="12" dur="1" fill="hold">
                                           <p:stCondLst>
                                             <p:cond delay="0"/>
                                           </p:stCondLst>
@@ -39080,7 +39062,7 @@
           <a:p>
             <a:r>
               <a:rPr lang="en-US" sz="3200" dirty="0"/>
-              <a:t>PAGELATCH_EX, PAGELATCH_UP waits on system catalog tables - such as sysobjvalues and sysschobjs</a:t>
+              <a:t>PAGELATCH_EX, PAGELATCH_SH waits on system catalog tables - such as sysobjvalues and sysschobjs</a:t>
             </a:r>
           </a:p>
           <a:p>
@@ -39757,6 +39739,13 @@
             <a:pPr lvl="1"/>
             <a:r>
               <a:rPr lang="en-US" sz="3000" dirty="0"/>
+              <a:t>Create indexes inline with table definition</a:t>
+            </a:r>
+          </a:p>
+          <a:p>
+            <a:pPr lvl="1"/>
+            <a:r>
+              <a:rPr lang="en-US" sz="3000" dirty="0"/>
               <a:t>Create temp objects within SP, trigger, function</a:t>
             </a:r>
           </a:p>
@@ -39770,7 +39759,14 @@
             <a:pPr lvl="1"/>
             <a:r>
               <a:rPr lang="en-US" sz="3000" dirty="0"/>
-              <a:t>CU2 moves sysallocunits</a:t>
+              <a:t>CU2 moves sysallocunits, sysrowsets</a:t>
+            </a:r>
+          </a:p>
+          <a:p>
+            <a:pPr lvl="1"/>
+            <a:r>
+              <a:rPr lang="en-US" sz="3000" dirty="0"/>
+              <a:t>Not ON by default</a:t>
             </a:r>
           </a:p>
           <a:p>
@@ -39970,33 +39966,15 @@
                                   </p:childTnLst>
                                 </p:cTn>
                               </p:par>
-                            </p:childTnLst>
-                          </p:cTn>
-                        </p:par>
-                      </p:childTnLst>
-                    </p:cTn>
-                  </p:par>
-                  <p:par>
-                    <p:cTn id="15" fill="hold">
-                      <p:stCondLst>
-                        <p:cond delay="indefinite"/>
-                      </p:stCondLst>
-                      <p:childTnLst>
-                        <p:par>
-                          <p:cTn id="16" fill="hold">
-                            <p:stCondLst>
-                              <p:cond delay="0"/>
-                            </p:stCondLst>
-                            <p:childTnLst>
                               <p:par>
-                                <p:cTn id="17" presetID="1" presetClass="entr" presetSubtype="0" fill="hold" grpId="0" nodeType="clickEffect">
+                                <p:cTn id="15" presetID="1" presetClass="entr" presetSubtype="0" fill="hold" grpId="0" nodeType="withEffect">
                                   <p:stCondLst>
                                     <p:cond delay="0"/>
                                   </p:stCondLst>
                                   <p:childTnLst>
                                     <p:set>
                                       <p:cBhvr>
-                                        <p:cTn id="18" dur="1" fill="hold">
+                                        <p:cTn id="16" dur="1" fill="hold">
                                           <p:stCondLst>
                                             <p:cond delay="0"/>
                                           </p:stCondLst>
@@ -40019,8 +39997,26 @@
                                   </p:childTnLst>
                                 </p:cTn>
                               </p:par>
+                            </p:childTnLst>
+                          </p:cTn>
+                        </p:par>
+                      </p:childTnLst>
+                    </p:cTn>
+                  </p:par>
+                  <p:par>
+                    <p:cTn id="17" fill="hold">
+                      <p:stCondLst>
+                        <p:cond delay="indefinite"/>
+                      </p:stCondLst>
+                      <p:childTnLst>
+                        <p:par>
+                          <p:cTn id="18" fill="hold">
+                            <p:stCondLst>
+                              <p:cond delay="0"/>
+                            </p:stCondLst>
+                            <p:childTnLst>
                               <p:par>
-                                <p:cTn id="19" presetID="1" presetClass="entr" presetSubtype="0" fill="hold" grpId="0" nodeType="withEffect">
+                                <p:cTn id="19" presetID="1" presetClass="entr" presetSubtype="0" fill="hold" grpId="0" nodeType="clickEffect">
                                   <p:stCondLst>
                                     <p:cond delay="0"/>
                                   </p:stCondLst>
@@ -40036,6 +40032,68 @@
                                           <p:spTgt spid="3">
                                             <p:txEl>
                                               <p:pRg st="5" end="5"/>
+                                            </p:txEl>
+                                          </p:spTgt>
+                                        </p:tgtEl>
+                                        <p:attrNameLst>
+                                          <p:attrName>style.visibility</p:attrName>
+                                        </p:attrNameLst>
+                                      </p:cBhvr>
+                                      <p:to>
+                                        <p:strVal val="visible"/>
+                                      </p:to>
+                                    </p:set>
+                                  </p:childTnLst>
+                                </p:cTn>
+                              </p:par>
+                              <p:par>
+                                <p:cTn id="21" presetID="1" presetClass="entr" presetSubtype="0" fill="hold" grpId="0" nodeType="withEffect">
+                                  <p:stCondLst>
+                                    <p:cond delay="0"/>
+                                  </p:stCondLst>
+                                  <p:childTnLst>
+                                    <p:set>
+                                      <p:cBhvr>
+                                        <p:cTn id="22" dur="1" fill="hold">
+                                          <p:stCondLst>
+                                            <p:cond delay="0"/>
+                                          </p:stCondLst>
+                                        </p:cTn>
+                                        <p:tgtEl>
+                                          <p:spTgt spid="3">
+                                            <p:txEl>
+                                              <p:pRg st="6" end="6"/>
+                                            </p:txEl>
+                                          </p:spTgt>
+                                        </p:tgtEl>
+                                        <p:attrNameLst>
+                                          <p:attrName>style.visibility</p:attrName>
+                                        </p:attrNameLst>
+                                      </p:cBhvr>
+                                      <p:to>
+                                        <p:strVal val="visible"/>
+                                      </p:to>
+                                    </p:set>
+                                  </p:childTnLst>
+                                </p:cTn>
+                              </p:par>
+                              <p:par>
+                                <p:cTn id="23" presetID="1" presetClass="entr" presetSubtype="0" fill="hold" grpId="0" nodeType="withEffect">
+                                  <p:stCondLst>
+                                    <p:cond delay="0"/>
+                                  </p:stCondLst>
+                                  <p:childTnLst>
+                                    <p:set>
+                                      <p:cBhvr>
+                                        <p:cTn id="24" dur="1" fill="hold">
+                                          <p:stCondLst>
+                                            <p:cond delay="0"/>
+                                          </p:stCondLst>
+                                        </p:cTn>
+                                        <p:tgtEl>
+                                          <p:spTgt spid="3">
+                                            <p:txEl>
+                                              <p:pRg st="7" end="7"/>
                                             </p:txEl>
                                           </p:spTgt>
                                         </p:tgtEl>
@@ -42511,7 +42569,7 @@
             <a:pPr lvl="1"/>
             <a:r>
               <a:rPr lang="en-US" sz="3200" dirty="0"/>
-              <a:t>CACHE Temp objects</a:t>
+              <a:t>Cache Temp objects</a:t>
             </a:r>
           </a:p>
           <a:p>
@@ -42554,7 +42612,7 @@
                             </p:stCondLst>
                             <p:childTnLst>
                               <p:par>
-                                <p:cTn id="5" presetID="1" presetClass="entr" presetSubtype="0" fill="hold" grpId="0" nodeType="clickEffect">
+                                <p:cTn id="5" presetID="1" presetClass="entr" presetSubtype="0" fill="hold" nodeType="clickEffect">
                                   <p:stCondLst>
                                     <p:cond delay="0"/>
                                   </p:stCondLst>
@@ -42603,7 +42661,7 @@
                             </p:stCondLst>
                             <p:childTnLst>
                               <p:par>
-                                <p:cTn id="9" presetID="1" presetClass="entr" presetSubtype="0" fill="hold" grpId="0" nodeType="clickEffect">
+                                <p:cTn id="9" presetID="1" presetClass="entr" presetSubtype="0" fill="hold" nodeType="clickEffect">
                                   <p:stCondLst>
                                     <p:cond delay="0"/>
                                   </p:stCondLst>
@@ -42652,7 +42710,7 @@
                             </p:stCondLst>
                             <p:childTnLst>
                               <p:par>
-                                <p:cTn id="13" presetID="1" presetClass="entr" presetSubtype="0" fill="hold" grpId="0" nodeType="clickEffect">
+                                <p:cTn id="13" presetID="1" presetClass="entr" presetSubtype="0" fill="hold" nodeType="clickEffect">
                                   <p:stCondLst>
                                     <p:cond delay="0"/>
                                   </p:stCondLst>
@@ -42668,6 +42726,99 @@
                                           <p:spTgt spid="3">
                                             <p:txEl>
                                               <p:pRg st="2" end="2"/>
+                                            </p:txEl>
+                                          </p:spTgt>
+                                        </p:tgtEl>
+                                        <p:attrNameLst>
+                                          <p:attrName>style.visibility</p:attrName>
+                                        </p:attrNameLst>
+                                      </p:cBhvr>
+                                      <p:to>
+                                        <p:strVal val="visible"/>
+                                      </p:to>
+                                    </p:set>
+                                  </p:childTnLst>
+                                </p:cTn>
+                              </p:par>
+                              <p:par>
+                                <p:cTn id="15" presetID="1" presetClass="entr" presetSubtype="0" fill="hold" nodeType="withEffect">
+                                  <p:stCondLst>
+                                    <p:cond delay="0"/>
+                                  </p:stCondLst>
+                                  <p:childTnLst>
+                                    <p:set>
+                                      <p:cBhvr>
+                                        <p:cTn id="16" dur="1" fill="hold">
+                                          <p:stCondLst>
+                                            <p:cond delay="0"/>
+                                          </p:stCondLst>
+                                        </p:cTn>
+                                        <p:tgtEl>
+                                          <p:spTgt spid="3">
+                                            <p:txEl>
+                                              <p:pRg st="3" end="3"/>
+                                            </p:txEl>
+                                          </p:spTgt>
+                                        </p:tgtEl>
+                                        <p:attrNameLst>
+                                          <p:attrName>style.visibility</p:attrName>
+                                        </p:attrNameLst>
+                                      </p:cBhvr>
+                                      <p:to>
+                                        <p:strVal val="visible"/>
+                                      </p:to>
+                                    </p:set>
+                                  </p:childTnLst>
+                                </p:cTn>
+                              </p:par>
+                              <p:par>
+                                <p:cTn id="17" presetID="1" presetClass="entr" presetSubtype="0" fill="hold" nodeType="withEffect">
+                                  <p:stCondLst>
+                                    <p:cond delay="0"/>
+                                  </p:stCondLst>
+                                  <p:childTnLst>
+                                    <p:set>
+                                      <p:cBhvr>
+                                        <p:cTn id="18" dur="1" fill="hold">
+                                          <p:stCondLst>
+                                            <p:cond delay="0"/>
+                                          </p:stCondLst>
+                                        </p:cTn>
+                                        <p:tgtEl>
+                                          <p:spTgt spid="3">
+                                            <p:txEl>
+                                              <p:pRg st="4" end="4"/>
+                                            </p:txEl>
+                                          </p:spTgt>
+                                        </p:tgtEl>
+                                        <p:attrNameLst>
+                                          <p:attrName>style.visibility</p:attrName>
+                                        </p:attrNameLst>
+                                      </p:cBhvr>
+                                      <p:to>
+                                        <p:strVal val="visible"/>
+                                      </p:to>
+                                    </p:set>
+                                  </p:childTnLst>
+                                </p:cTn>
+                              </p:par>
+                              <p:par>
+                                <p:cTn id="19" presetID="1" presetClass="entr" presetSubtype="0" fill="hold" nodeType="withEffect">
+                                  <p:stCondLst>
+                                    <p:cond delay="0"/>
+                                  </p:stCondLst>
+                                  <p:childTnLst>
+                                    <p:set>
+                                      <p:cBhvr>
+                                        <p:cTn id="20" dur="1" fill="hold">
+                                          <p:stCondLst>
+                                            <p:cond delay="0"/>
+                                          </p:stCondLst>
+                                        </p:cTn>
+                                        <p:tgtEl>
+                                          <p:spTgt spid="3">
+                                            <p:txEl>
+                                              <p:pRg st="5" end="5"/>
                                             </p:txEl>
                                           </p:spTgt>
                                         </p:tgtEl>
@@ -42709,9 +42860,6 @@
         </p:cTn>
       </p:par>
     </p:tnLst>
-    <p:bldLst>
-      <p:bldP spid="3" grpId="0" build="p"/>
-    </p:bldLst>
   </p:timing>
 </p:sld>
 </file>
@@ -43149,186 +43297,6 @@
   <p:clrMapOvr>
     <a:masterClrMapping/>
   </p:clrMapOvr>
-  <p:timing>
-    <p:tnLst>
-      <p:par>
-        <p:cTn id="1" dur="indefinite" restart="never" nodeType="tmRoot">
-          <p:childTnLst>
-            <p:seq concurrent="1" nextAc="seek">
-              <p:cTn id="2" dur="indefinite" nodeType="mainSeq">
-                <p:childTnLst>
-                  <p:par>
-                    <p:cTn id="3" fill="hold">
-                      <p:stCondLst>
-                        <p:cond delay="indefinite"/>
-                      </p:stCondLst>
-                      <p:childTnLst>
-                        <p:par>
-                          <p:cTn id="4" fill="hold">
-                            <p:stCondLst>
-                              <p:cond delay="0"/>
-                            </p:stCondLst>
-                            <p:childTnLst>
-                              <p:par>
-                                <p:cTn id="5" presetID="1" presetClass="entr" presetSubtype="0" fill="hold" grpId="0" nodeType="clickEffect">
-                                  <p:stCondLst>
-                                    <p:cond delay="0"/>
-                                  </p:stCondLst>
-                                  <p:childTnLst>
-                                    <p:set>
-                                      <p:cBhvr>
-                                        <p:cTn id="6" dur="1" fill="hold">
-                                          <p:stCondLst>
-                                            <p:cond delay="0"/>
-                                          </p:stCondLst>
-                                        </p:cTn>
-                                        <p:tgtEl>
-                                          <p:spTgt spid="3">
-                                            <p:txEl>
-                                              <p:pRg st="0" end="0"/>
-                                            </p:txEl>
-                                          </p:spTgt>
-                                        </p:tgtEl>
-                                        <p:attrNameLst>
-                                          <p:attrName>style.visibility</p:attrName>
-                                        </p:attrNameLst>
-                                      </p:cBhvr>
-                                      <p:to>
-                                        <p:strVal val="visible"/>
-                                      </p:to>
-                                    </p:set>
-                                  </p:childTnLst>
-                                </p:cTn>
-                              </p:par>
-                            </p:childTnLst>
-                          </p:cTn>
-                        </p:par>
-                      </p:childTnLst>
-                    </p:cTn>
-                  </p:par>
-                  <p:par>
-                    <p:cTn id="7" fill="hold">
-                      <p:stCondLst>
-                        <p:cond delay="indefinite"/>
-                      </p:stCondLst>
-                      <p:childTnLst>
-                        <p:par>
-                          <p:cTn id="8" fill="hold">
-                            <p:stCondLst>
-                              <p:cond delay="0"/>
-                            </p:stCondLst>
-                            <p:childTnLst>
-                              <p:par>
-                                <p:cTn id="9" presetID="1" presetClass="entr" presetSubtype="0" fill="hold" grpId="0" nodeType="clickEffect">
-                                  <p:stCondLst>
-                                    <p:cond delay="0"/>
-                                  </p:stCondLst>
-                                  <p:childTnLst>
-                                    <p:set>
-                                      <p:cBhvr>
-                                        <p:cTn id="10" dur="1" fill="hold">
-                                          <p:stCondLst>
-                                            <p:cond delay="0"/>
-                                          </p:stCondLst>
-                                        </p:cTn>
-                                        <p:tgtEl>
-                                          <p:spTgt spid="3">
-                                            <p:txEl>
-                                              <p:pRg st="1" end="1"/>
-                                            </p:txEl>
-                                          </p:spTgt>
-                                        </p:tgtEl>
-                                        <p:attrNameLst>
-                                          <p:attrName>style.visibility</p:attrName>
-                                        </p:attrNameLst>
-                                      </p:cBhvr>
-                                      <p:to>
-                                        <p:strVal val="visible"/>
-                                      </p:to>
-                                    </p:set>
-                                  </p:childTnLst>
-                                </p:cTn>
-                              </p:par>
-                            </p:childTnLst>
-                          </p:cTn>
-                        </p:par>
-                      </p:childTnLst>
-                    </p:cTn>
-                  </p:par>
-                  <p:par>
-                    <p:cTn id="11" fill="hold">
-                      <p:stCondLst>
-                        <p:cond delay="indefinite"/>
-                      </p:stCondLst>
-                      <p:childTnLst>
-                        <p:par>
-                          <p:cTn id="12" fill="hold">
-                            <p:stCondLst>
-                              <p:cond delay="0"/>
-                            </p:stCondLst>
-                            <p:childTnLst>
-                              <p:par>
-                                <p:cTn id="13" presetID="1" presetClass="entr" presetSubtype="0" fill="hold" grpId="0" nodeType="clickEffect">
-                                  <p:stCondLst>
-                                    <p:cond delay="0"/>
-                                  </p:stCondLst>
-                                  <p:childTnLst>
-                                    <p:set>
-                                      <p:cBhvr>
-                                        <p:cTn id="14" dur="1" fill="hold">
-                                          <p:stCondLst>
-                                            <p:cond delay="0"/>
-                                          </p:stCondLst>
-                                        </p:cTn>
-                                        <p:tgtEl>
-                                          <p:spTgt spid="3">
-                                            <p:txEl>
-                                              <p:pRg st="2" end="2"/>
-                                            </p:txEl>
-                                          </p:spTgt>
-                                        </p:tgtEl>
-                                        <p:attrNameLst>
-                                          <p:attrName>style.visibility</p:attrName>
-                                        </p:attrNameLst>
-                                      </p:cBhvr>
-                                      <p:to>
-                                        <p:strVal val="visible"/>
-                                      </p:to>
-                                    </p:set>
-                                  </p:childTnLst>
-                                </p:cTn>
-                              </p:par>
-                            </p:childTnLst>
-                          </p:cTn>
-                        </p:par>
-                      </p:childTnLst>
-                    </p:cTn>
-                  </p:par>
-                </p:childTnLst>
-              </p:cTn>
-              <p:prevCondLst>
-                <p:cond evt="onPrev" delay="0">
-                  <p:tgtEl>
-                    <p:sldTgt/>
-                  </p:tgtEl>
-                </p:cond>
-              </p:prevCondLst>
-              <p:nextCondLst>
-                <p:cond evt="onNext" delay="0">
-                  <p:tgtEl>
-                    <p:sldTgt/>
-                  </p:tgtEl>
-                </p:cond>
-              </p:nextCondLst>
-            </p:seq>
-          </p:childTnLst>
-        </p:cTn>
-      </p:par>
-    </p:tnLst>
-    <p:bldLst>
-      <p:bldP spid="3" grpId="0" build="p"/>
-    </p:bldLst>
-  </p:timing>
 </p:sld>
 </file>
 
@@ -44047,316 +44015,6 @@
       </p:grpSpPr>
       <p:sp useBgFill="1">
         <p:nvSpPr>
-          <p:cNvPr id="16" name="Rectangle 15">
-            <a:extLst>
-              <a:ext uri="{FF2B5EF4-FFF2-40B4-BE49-F238E27FC236}">
-                <a16:creationId xmlns:a16="http://schemas.microsoft.com/office/drawing/2014/main" id="{BAD76F3E-3A97-486B-B402-44400A8B9173}"/>
-              </a:ext>
-              <a:ext uri="{C183D7F6-B498-43B3-948B-1728B52AA6E4}">
-                <adec:decorative xmlns:adec="http://schemas.microsoft.com/office/drawing/2017/decorative" val="1"/>
-              </a:ext>
-            </a:extLst>
-          </p:cNvPr>
-          <p:cNvSpPr>
-            <a:spLocks noGrp="1" noRot="1" noChangeAspect="1" noMove="1" noResize="1" noEditPoints="1" noAdjustHandles="1" noChangeArrowheads="1" noChangeShapeType="1" noTextEdit="1"/>
-          </p:cNvSpPr>
-          <p:nvPr>
-            <p:extLst>
-              <p:ext uri="{386F3935-93C4-4BCD-93E2-E3B085C9AB24}">
-                <p16:designElem xmlns:p16="http://schemas.microsoft.com/office/powerpoint/2015/main" val="1"/>
-              </p:ext>
-            </p:extLst>
-          </p:nvPr>
-        </p:nvSpPr>
-        <p:spPr>
-          <a:xfrm>
-            <a:off x="0" y="0"/>
-            <a:ext cx="12192000" cy="6858000"/>
-          </a:xfrm>
-          <a:prstGeom prst="rect">
-            <a:avLst/>
-          </a:prstGeom>
-          <a:ln>
-            <a:noFill/>
-          </a:ln>
-        </p:spPr>
-        <p:style>
-          <a:lnRef idx="2">
-            <a:schemeClr val="accent1">
-              <a:shade val="50000"/>
-            </a:schemeClr>
-          </a:lnRef>
-          <a:fillRef idx="1">
-            <a:schemeClr val="accent1"/>
-          </a:fillRef>
-          <a:effectRef idx="0">
-            <a:schemeClr val="accent1"/>
-          </a:effectRef>
-          <a:fontRef idx="minor">
-            <a:schemeClr val="lt1"/>
-          </a:fontRef>
-        </p:style>
-        <p:txBody>
-          <a:bodyPr rtlCol="0" anchor="ctr"/>
-          <a:lstStyle/>
-          <a:p>
-            <a:pPr algn="ctr"/>
-            <a:endParaRPr lang="en-US"/>
-          </a:p>
-        </p:txBody>
-      </p:sp>
-      <p:sp>
-        <p:nvSpPr>
-          <p:cNvPr id="2" name="Title 1">
-            <a:extLst>
-              <a:ext uri="{FF2B5EF4-FFF2-40B4-BE49-F238E27FC236}">
-                <a16:creationId xmlns:a16="http://schemas.microsoft.com/office/drawing/2014/main" id="{22C9AD38-5825-EA0C-3ED3-BC43A6CDAF85}"/>
-              </a:ext>
-            </a:extLst>
-          </p:cNvPr>
-          <p:cNvSpPr>
-            <a:spLocks noGrp="1"/>
-          </p:cNvSpPr>
-          <p:nvPr>
-            <p:ph type="title"/>
-          </p:nvPr>
-        </p:nvSpPr>
-        <p:spPr>
-          <a:xfrm>
-            <a:off x="838199" y="1093788"/>
-            <a:ext cx="10506455" cy="2967208"/>
-          </a:xfrm>
-        </p:spPr>
-        <p:txBody>
-          <a:bodyPr vert="horz" lIns="91440" tIns="45720" rIns="91440" bIns="45720" rtlCol="0" anchor="b">
-            <a:normAutofit/>
-          </a:bodyPr>
-          <a:lstStyle/>
-          <a:p>
-            <a:r>
-              <a:rPr lang="en-US" sz="8000">
-                <a:solidFill>
-                  <a:schemeClr val="accent2">
-                    <a:lumMod val="75000"/>
-                  </a:schemeClr>
-                </a:solidFill>
-              </a:rPr>
-              <a:t>Q &amp; A!</a:t>
-            </a:r>
-            <a:endParaRPr lang="en-US" sz="8000" kern="1200" dirty="0">
-              <a:solidFill>
-                <a:schemeClr val="accent2">
-                  <a:lumMod val="75000"/>
-                </a:schemeClr>
-              </a:solidFill>
-              <a:latin typeface="+mj-lt"/>
-              <a:ea typeface="+mj-ea"/>
-              <a:cs typeface="+mj-cs"/>
-            </a:endParaRPr>
-          </a:p>
-        </p:txBody>
-      </p:sp>
-      <p:sp>
-        <p:nvSpPr>
-          <p:cNvPr id="18" name="Rectangle 17">
-            <a:extLst>
-              <a:ext uri="{FF2B5EF4-FFF2-40B4-BE49-F238E27FC236}">
-                <a16:creationId xmlns:a16="http://schemas.microsoft.com/office/drawing/2014/main" id="{391F6B52-91F4-4AEB-B6DB-29FEBCF28C8B}"/>
-              </a:ext>
-              <a:ext uri="{C183D7F6-B498-43B3-948B-1728B52AA6E4}">
-                <adec:decorative xmlns:adec="http://schemas.microsoft.com/office/drawing/2017/decorative" val="1"/>
-              </a:ext>
-            </a:extLst>
-          </p:cNvPr>
-          <p:cNvSpPr>
-            <a:spLocks noGrp="1" noRot="1" noChangeAspect="1" noMove="1" noResize="1" noEditPoints="1" noAdjustHandles="1" noChangeArrowheads="1" noChangeShapeType="1" noTextEdit="1"/>
-          </p:cNvSpPr>
-          <p:nvPr>
-            <p:extLst>
-              <p:ext uri="{386F3935-93C4-4BCD-93E2-E3B085C9AB24}">
-                <p16:designElem xmlns:p16="http://schemas.microsoft.com/office/powerpoint/2015/main" val="1"/>
-              </p:ext>
-            </p:extLst>
-          </p:nvPr>
-        </p:nvSpPr>
-        <p:spPr>
-          <a:xfrm>
-            <a:off x="841248" y="4331166"/>
-            <a:ext cx="10506456" cy="18288"/>
-          </a:xfrm>
-          <a:prstGeom prst="rect">
-            <a:avLst/>
-          </a:prstGeom>
-          <a:solidFill>
-            <a:srgbClr val="D5D5D5"/>
-          </a:solidFill>
-          <a:ln w="3175">
-            <a:noFill/>
-          </a:ln>
-          <a:effectLst/>
-        </p:spPr>
-        <p:style>
-          <a:lnRef idx="2">
-            <a:schemeClr val="accent1">
-              <a:shade val="50000"/>
-            </a:schemeClr>
-          </a:lnRef>
-          <a:fillRef idx="1">
-            <a:schemeClr val="accent1"/>
-          </a:fillRef>
-          <a:effectRef idx="0">
-            <a:schemeClr val="accent1"/>
-          </a:effectRef>
-          <a:fontRef idx="minor">
-            <a:schemeClr val="lt1"/>
-          </a:fontRef>
-        </p:style>
-        <p:txBody>
-          <a:bodyPr rtlCol="0" anchor="ctr"/>
-          <a:lstStyle/>
-          <a:p>
-            <a:pPr algn="ctr"/>
-            <a:endParaRPr lang="en-US">
-              <a:solidFill>
-                <a:prstClr val="white"/>
-              </a:solidFill>
-              <a:latin typeface="Calibri" panose="020F0502020204030204"/>
-            </a:endParaRPr>
-          </a:p>
-        </p:txBody>
-      </p:sp>
-      <p:sp>
-        <p:nvSpPr>
-          <p:cNvPr id="20" name="Rectangle 19">
-            <a:extLst>
-              <a:ext uri="{FF2B5EF4-FFF2-40B4-BE49-F238E27FC236}">
-                <a16:creationId xmlns:a16="http://schemas.microsoft.com/office/drawing/2014/main" id="{2CD6F061-7C53-44F4-9794-953DB70A451B}"/>
-              </a:ext>
-              <a:ext uri="{C183D7F6-B498-43B3-948B-1728B52AA6E4}">
-                <adec:decorative xmlns:adec="http://schemas.microsoft.com/office/drawing/2017/decorative" val="1"/>
-              </a:ext>
-            </a:extLst>
-          </p:cNvPr>
-          <p:cNvSpPr>
-            <a:spLocks noGrp="1" noRot="1" noChangeAspect="1" noMove="1" noResize="1" noEditPoints="1" noAdjustHandles="1" noChangeArrowheads="1" noChangeShapeType="1" noTextEdit="1"/>
-          </p:cNvSpPr>
-          <p:nvPr>
-            <p:extLst>
-              <p:ext uri="{386F3935-93C4-4BCD-93E2-E3B085C9AB24}">
-                <p16:designElem xmlns:p16="http://schemas.microsoft.com/office/powerpoint/2015/main" val="1"/>
-              </p:ext>
-            </p:extLst>
-          </p:nvPr>
-        </p:nvSpPr>
-        <p:spPr>
-          <a:xfrm rot="5400000">
-            <a:off x="9346882" y="2348839"/>
-            <a:ext cx="54864" cy="3946779"/>
-          </a:xfrm>
-          <a:prstGeom prst="rect">
-            <a:avLst/>
-          </a:prstGeom>
-          <a:solidFill>
-            <a:schemeClr val="accent2"/>
-          </a:solidFill>
-          <a:ln>
-            <a:noFill/>
-          </a:ln>
-        </p:spPr>
-        <p:style>
-          <a:lnRef idx="2">
-            <a:schemeClr val="accent1">
-              <a:shade val="50000"/>
-            </a:schemeClr>
-          </a:lnRef>
-          <a:fillRef idx="1">
-            <a:schemeClr val="accent1"/>
-          </a:fillRef>
-          <a:effectRef idx="0">
-            <a:schemeClr val="accent1"/>
-          </a:effectRef>
-          <a:fontRef idx="minor">
-            <a:schemeClr val="lt1"/>
-          </a:fontRef>
-        </p:style>
-        <p:txBody>
-          <a:bodyPr rtlCol="0" anchor="ctr"/>
-          <a:lstStyle/>
-          <a:p>
-            <a:pPr marL="0" marR="0" lvl="0" indent="0" algn="ctr" defTabSz="914400" rtl="0" eaLnBrk="1" fontAlgn="auto" latinLnBrk="0" hangingPunct="1">
-              <a:lnSpc>
-                <a:spcPct val="100000"/>
-              </a:lnSpc>
-              <a:spcBef>
-                <a:spcPts val="0"/>
-              </a:spcBef>
-              <a:spcAft>
-                <a:spcPts val="0"/>
-              </a:spcAft>
-              <a:buClrTx/>
-              <a:buSzTx/>
-              <a:buFontTx/>
-              <a:buNone/>
-              <a:tabLst/>
-              <a:defRPr/>
-            </a:pPr>
-            <a:endParaRPr kumimoji="0" lang="en-US" sz="1800" b="0" i="0" u="none" strike="noStrike" kern="1200" cap="none" spc="0" normalizeH="0" baseline="0" noProof="0">
-              <a:ln>
-                <a:noFill/>
-              </a:ln>
-              <a:solidFill>
-                <a:prstClr val="white"/>
-              </a:solidFill>
-              <a:effectLst/>
-              <a:uLnTx/>
-              <a:uFillTx/>
-              <a:latin typeface="Calibri" panose="020F0502020204030204"/>
-              <a:ea typeface="+mn-ea"/>
-              <a:cs typeface="+mn-cs"/>
-            </a:endParaRPr>
-          </a:p>
-        </p:txBody>
-      </p:sp>
-    </p:spTree>
-    <p:extLst>
-      <p:ext uri="{BB962C8B-B14F-4D97-AF65-F5344CB8AC3E}">
-        <p14:creationId xmlns:p14="http://schemas.microsoft.com/office/powerpoint/2010/main" val="2823513733"/>
-      </p:ext>
-    </p:extLst>
-  </p:cSld>
-  <p:clrMapOvr>
-    <a:masterClrMapping/>
-  </p:clrMapOvr>
-</p:sld>
-</file>
-
-<file path=ppt/slides/slide31.xml><?xml version="1.0" encoding="utf-8"?>
-<p:sld xmlns:a="http://schemas.openxmlformats.org/drawingml/2006/main" xmlns:r="http://schemas.openxmlformats.org/officeDocument/2006/relationships" xmlns:p="http://schemas.openxmlformats.org/presentationml/2006/main">
-  <p:cSld>
-    <p:bg>
-      <p:bgPr>
-        <a:solidFill>
-          <a:schemeClr val="bg1"/>
-        </a:solidFill>
-        <a:effectLst/>
-      </p:bgPr>
-    </p:bg>
-    <p:spTree>
-      <p:nvGrpSpPr>
-        <p:cNvPr id="1" name=""/>
-        <p:cNvGrpSpPr/>
-        <p:nvPr/>
-      </p:nvGrpSpPr>
-      <p:grpSpPr>
-        <a:xfrm>
-          <a:off x="0" y="0"/>
-          <a:ext cx="0" cy="0"/>
-          <a:chOff x="0" y="0"/>
-          <a:chExt cx="0" cy="0"/>
-        </a:xfrm>
-      </p:grpSpPr>
-      <p:sp useBgFill="1">
-        <p:nvSpPr>
           <p:cNvPr id="51" name="Rectangle 50">
             <a:extLst>
               <a:ext uri="{FF2B5EF4-FFF2-40B4-BE49-F238E27FC236}">
@@ -44745,6 +44403,316 @@
 </p:sld>
 </file>
 
+<file path=ppt/slides/slide31.xml><?xml version="1.0" encoding="utf-8"?>
+<p:sld xmlns:a="http://schemas.openxmlformats.org/drawingml/2006/main" xmlns:r="http://schemas.openxmlformats.org/officeDocument/2006/relationships" xmlns:p="http://schemas.openxmlformats.org/presentationml/2006/main">
+  <p:cSld>
+    <p:bg>
+      <p:bgPr>
+        <a:solidFill>
+          <a:schemeClr val="bg1"/>
+        </a:solidFill>
+        <a:effectLst/>
+      </p:bgPr>
+    </p:bg>
+    <p:spTree>
+      <p:nvGrpSpPr>
+        <p:cNvPr id="1" name=""/>
+        <p:cNvGrpSpPr/>
+        <p:nvPr/>
+      </p:nvGrpSpPr>
+      <p:grpSpPr>
+        <a:xfrm>
+          <a:off x="0" y="0"/>
+          <a:ext cx="0" cy="0"/>
+          <a:chOff x="0" y="0"/>
+          <a:chExt cx="0" cy="0"/>
+        </a:xfrm>
+      </p:grpSpPr>
+      <p:sp useBgFill="1">
+        <p:nvSpPr>
+          <p:cNvPr id="16" name="Rectangle 15">
+            <a:extLst>
+              <a:ext uri="{FF2B5EF4-FFF2-40B4-BE49-F238E27FC236}">
+                <a16:creationId xmlns:a16="http://schemas.microsoft.com/office/drawing/2014/main" id="{BAD76F3E-3A97-486B-B402-44400A8B9173}"/>
+              </a:ext>
+              <a:ext uri="{C183D7F6-B498-43B3-948B-1728B52AA6E4}">
+                <adec:decorative xmlns:adec="http://schemas.microsoft.com/office/drawing/2017/decorative" val="1"/>
+              </a:ext>
+            </a:extLst>
+          </p:cNvPr>
+          <p:cNvSpPr>
+            <a:spLocks noGrp="1" noRot="1" noChangeAspect="1" noMove="1" noResize="1" noEditPoints="1" noAdjustHandles="1" noChangeArrowheads="1" noChangeShapeType="1" noTextEdit="1"/>
+          </p:cNvSpPr>
+          <p:nvPr>
+            <p:extLst>
+              <p:ext uri="{386F3935-93C4-4BCD-93E2-E3B085C9AB24}">
+                <p16:designElem xmlns:p16="http://schemas.microsoft.com/office/powerpoint/2015/main" val="1"/>
+              </p:ext>
+            </p:extLst>
+          </p:nvPr>
+        </p:nvSpPr>
+        <p:spPr>
+          <a:xfrm>
+            <a:off x="0" y="0"/>
+            <a:ext cx="12192000" cy="6858000"/>
+          </a:xfrm>
+          <a:prstGeom prst="rect">
+            <a:avLst/>
+          </a:prstGeom>
+          <a:ln>
+            <a:noFill/>
+          </a:ln>
+        </p:spPr>
+        <p:style>
+          <a:lnRef idx="2">
+            <a:schemeClr val="accent1">
+              <a:shade val="50000"/>
+            </a:schemeClr>
+          </a:lnRef>
+          <a:fillRef idx="1">
+            <a:schemeClr val="accent1"/>
+          </a:fillRef>
+          <a:effectRef idx="0">
+            <a:schemeClr val="accent1"/>
+          </a:effectRef>
+          <a:fontRef idx="minor">
+            <a:schemeClr val="lt1"/>
+          </a:fontRef>
+        </p:style>
+        <p:txBody>
+          <a:bodyPr rtlCol="0" anchor="ctr"/>
+          <a:lstStyle/>
+          <a:p>
+            <a:pPr algn="ctr"/>
+            <a:endParaRPr lang="en-US"/>
+          </a:p>
+        </p:txBody>
+      </p:sp>
+      <p:sp>
+        <p:nvSpPr>
+          <p:cNvPr id="2" name="Title 1">
+            <a:extLst>
+              <a:ext uri="{FF2B5EF4-FFF2-40B4-BE49-F238E27FC236}">
+                <a16:creationId xmlns:a16="http://schemas.microsoft.com/office/drawing/2014/main" id="{22C9AD38-5825-EA0C-3ED3-BC43A6CDAF85}"/>
+              </a:ext>
+            </a:extLst>
+          </p:cNvPr>
+          <p:cNvSpPr>
+            <a:spLocks noGrp="1"/>
+          </p:cNvSpPr>
+          <p:nvPr>
+            <p:ph type="title"/>
+          </p:nvPr>
+        </p:nvSpPr>
+        <p:spPr>
+          <a:xfrm>
+            <a:off x="838199" y="1093788"/>
+            <a:ext cx="10506455" cy="2967208"/>
+          </a:xfrm>
+        </p:spPr>
+        <p:txBody>
+          <a:bodyPr vert="horz" lIns="91440" tIns="45720" rIns="91440" bIns="45720" rtlCol="0" anchor="b">
+            <a:normAutofit/>
+          </a:bodyPr>
+          <a:lstStyle/>
+          <a:p>
+            <a:r>
+              <a:rPr lang="en-US" sz="8000">
+                <a:solidFill>
+                  <a:schemeClr val="accent2">
+                    <a:lumMod val="75000"/>
+                  </a:schemeClr>
+                </a:solidFill>
+              </a:rPr>
+              <a:t>Q &amp; A!</a:t>
+            </a:r>
+            <a:endParaRPr lang="en-US" sz="8000" kern="1200" dirty="0">
+              <a:solidFill>
+                <a:schemeClr val="accent2">
+                  <a:lumMod val="75000"/>
+                </a:schemeClr>
+              </a:solidFill>
+              <a:latin typeface="+mj-lt"/>
+              <a:ea typeface="+mj-ea"/>
+              <a:cs typeface="+mj-cs"/>
+            </a:endParaRPr>
+          </a:p>
+        </p:txBody>
+      </p:sp>
+      <p:sp>
+        <p:nvSpPr>
+          <p:cNvPr id="18" name="Rectangle 17">
+            <a:extLst>
+              <a:ext uri="{FF2B5EF4-FFF2-40B4-BE49-F238E27FC236}">
+                <a16:creationId xmlns:a16="http://schemas.microsoft.com/office/drawing/2014/main" id="{391F6B52-91F4-4AEB-B6DB-29FEBCF28C8B}"/>
+              </a:ext>
+              <a:ext uri="{C183D7F6-B498-43B3-948B-1728B52AA6E4}">
+                <adec:decorative xmlns:adec="http://schemas.microsoft.com/office/drawing/2017/decorative" val="1"/>
+              </a:ext>
+            </a:extLst>
+          </p:cNvPr>
+          <p:cNvSpPr>
+            <a:spLocks noGrp="1" noRot="1" noChangeAspect="1" noMove="1" noResize="1" noEditPoints="1" noAdjustHandles="1" noChangeArrowheads="1" noChangeShapeType="1" noTextEdit="1"/>
+          </p:cNvSpPr>
+          <p:nvPr>
+            <p:extLst>
+              <p:ext uri="{386F3935-93C4-4BCD-93E2-E3B085C9AB24}">
+                <p16:designElem xmlns:p16="http://schemas.microsoft.com/office/powerpoint/2015/main" val="1"/>
+              </p:ext>
+            </p:extLst>
+          </p:nvPr>
+        </p:nvSpPr>
+        <p:spPr>
+          <a:xfrm>
+            <a:off x="841248" y="4331166"/>
+            <a:ext cx="10506456" cy="18288"/>
+          </a:xfrm>
+          <a:prstGeom prst="rect">
+            <a:avLst/>
+          </a:prstGeom>
+          <a:solidFill>
+            <a:srgbClr val="D5D5D5"/>
+          </a:solidFill>
+          <a:ln w="3175">
+            <a:noFill/>
+          </a:ln>
+          <a:effectLst/>
+        </p:spPr>
+        <p:style>
+          <a:lnRef idx="2">
+            <a:schemeClr val="accent1">
+              <a:shade val="50000"/>
+            </a:schemeClr>
+          </a:lnRef>
+          <a:fillRef idx="1">
+            <a:schemeClr val="accent1"/>
+          </a:fillRef>
+          <a:effectRef idx="0">
+            <a:schemeClr val="accent1"/>
+          </a:effectRef>
+          <a:fontRef idx="minor">
+            <a:schemeClr val="lt1"/>
+          </a:fontRef>
+        </p:style>
+        <p:txBody>
+          <a:bodyPr rtlCol="0" anchor="ctr"/>
+          <a:lstStyle/>
+          <a:p>
+            <a:pPr algn="ctr"/>
+            <a:endParaRPr lang="en-US">
+              <a:solidFill>
+                <a:prstClr val="white"/>
+              </a:solidFill>
+              <a:latin typeface="Calibri" panose="020F0502020204030204"/>
+            </a:endParaRPr>
+          </a:p>
+        </p:txBody>
+      </p:sp>
+      <p:sp>
+        <p:nvSpPr>
+          <p:cNvPr id="20" name="Rectangle 19">
+            <a:extLst>
+              <a:ext uri="{FF2B5EF4-FFF2-40B4-BE49-F238E27FC236}">
+                <a16:creationId xmlns:a16="http://schemas.microsoft.com/office/drawing/2014/main" id="{2CD6F061-7C53-44F4-9794-953DB70A451B}"/>
+              </a:ext>
+              <a:ext uri="{C183D7F6-B498-43B3-948B-1728B52AA6E4}">
+                <adec:decorative xmlns:adec="http://schemas.microsoft.com/office/drawing/2017/decorative" val="1"/>
+              </a:ext>
+            </a:extLst>
+          </p:cNvPr>
+          <p:cNvSpPr>
+            <a:spLocks noGrp="1" noRot="1" noChangeAspect="1" noMove="1" noResize="1" noEditPoints="1" noAdjustHandles="1" noChangeArrowheads="1" noChangeShapeType="1" noTextEdit="1"/>
+          </p:cNvSpPr>
+          <p:nvPr>
+            <p:extLst>
+              <p:ext uri="{386F3935-93C4-4BCD-93E2-E3B085C9AB24}">
+                <p16:designElem xmlns:p16="http://schemas.microsoft.com/office/powerpoint/2015/main" val="1"/>
+              </p:ext>
+            </p:extLst>
+          </p:nvPr>
+        </p:nvSpPr>
+        <p:spPr>
+          <a:xfrm rot="5400000">
+            <a:off x="9346882" y="2348839"/>
+            <a:ext cx="54864" cy="3946779"/>
+          </a:xfrm>
+          <a:prstGeom prst="rect">
+            <a:avLst/>
+          </a:prstGeom>
+          <a:solidFill>
+            <a:schemeClr val="accent2"/>
+          </a:solidFill>
+          <a:ln>
+            <a:noFill/>
+          </a:ln>
+        </p:spPr>
+        <p:style>
+          <a:lnRef idx="2">
+            <a:schemeClr val="accent1">
+              <a:shade val="50000"/>
+            </a:schemeClr>
+          </a:lnRef>
+          <a:fillRef idx="1">
+            <a:schemeClr val="accent1"/>
+          </a:fillRef>
+          <a:effectRef idx="0">
+            <a:schemeClr val="accent1"/>
+          </a:effectRef>
+          <a:fontRef idx="minor">
+            <a:schemeClr val="lt1"/>
+          </a:fontRef>
+        </p:style>
+        <p:txBody>
+          <a:bodyPr rtlCol="0" anchor="ctr"/>
+          <a:lstStyle/>
+          <a:p>
+            <a:pPr marL="0" marR="0" lvl="0" indent="0" algn="ctr" defTabSz="914400" rtl="0" eaLnBrk="1" fontAlgn="auto" latinLnBrk="0" hangingPunct="1">
+              <a:lnSpc>
+                <a:spcPct val="100000"/>
+              </a:lnSpc>
+              <a:spcBef>
+                <a:spcPts val="0"/>
+              </a:spcBef>
+              <a:spcAft>
+                <a:spcPts val="0"/>
+              </a:spcAft>
+              <a:buClrTx/>
+              <a:buSzTx/>
+              <a:buFontTx/>
+              <a:buNone/>
+              <a:tabLst/>
+              <a:defRPr/>
+            </a:pPr>
+            <a:endParaRPr kumimoji="0" lang="en-US" sz="1800" b="0" i="0" u="none" strike="noStrike" kern="1200" cap="none" spc="0" normalizeH="0" baseline="0" noProof="0">
+              <a:ln>
+                <a:noFill/>
+              </a:ln>
+              <a:solidFill>
+                <a:prstClr val="white"/>
+              </a:solidFill>
+              <a:effectLst/>
+              <a:uLnTx/>
+              <a:uFillTx/>
+              <a:latin typeface="Calibri" panose="020F0502020204030204"/>
+              <a:ea typeface="+mn-ea"/>
+              <a:cs typeface="+mn-cs"/>
+            </a:endParaRPr>
+          </a:p>
+        </p:txBody>
+      </p:sp>
+    </p:spTree>
+    <p:extLst>
+      <p:ext uri="{BB962C8B-B14F-4D97-AF65-F5344CB8AC3E}">
+        <p14:creationId xmlns:p14="http://schemas.microsoft.com/office/powerpoint/2010/main" val="2823513733"/>
+      </p:ext>
+    </p:extLst>
+  </p:cSld>
+  <p:clrMapOvr>
+    <a:masterClrMapping/>
+  </p:clrMapOvr>
+</p:sld>
+</file>
+
 <file path=ppt/slides/slide32.xml><?xml version="1.0" encoding="utf-8"?>
 <p:sld xmlns:a="http://schemas.openxmlformats.org/drawingml/2006/main" xmlns:r="http://schemas.openxmlformats.org/officeDocument/2006/relationships" xmlns:p="http://schemas.openxmlformats.org/presentationml/2006/main">
   <p:cSld>
@@ -45139,6 +45107,18 @@
               </a:rPr>
               <a:t>https://gohigh.substack.com</a:t>
             </a:r>
+          </a:p>
+          <a:p>
+            <a:pPr marL="457200" lvl="1" indent="0">
+              <a:buNone/>
+            </a:pPr>
+            <a:endParaRPr lang="fr-FR" sz="3200" dirty="0">
+              <a:solidFill>
+                <a:schemeClr val="accent2">
+                  <a:lumMod val="75000"/>
+                </a:schemeClr>
+              </a:solidFill>
+            </a:endParaRPr>
           </a:p>
           <a:p>
             <a:pPr lvl="1"/>
